--- a/Лекции/ИТиП лек 1.pptx
+++ b/Лекции/ИТиП лек 1.pptx
@@ -250,7 +250,7 @@
             <a:fld id="{AA2F9473-F066-431E-A6E8-1D478C995A6B}" type="datetimeFigureOut">
               <a:rPr lang="en-US" smtClean="0"/>
               <a:pPr/>
-              <a:t>4/26/2025</a:t>
+              <a:t>4/29/2025</a:t>
             </a:fld>
             <a:endParaRPr lang="en-US"/>
           </a:p>
@@ -8542,15 +8542,6 @@
               </a:rPr>
               <a:t>Общие понятия</a:t>
             </a:r>
-            <a:endParaRPr lang="ru-RU" sz="2800" b="1" dirty="0" smtClean="0">
-              <a:solidFill>
-                <a:schemeClr val="tx2">
-                  <a:lumMod val="50000"/>
-                </a:schemeClr>
-              </a:solidFill>
-              <a:latin typeface="Bookman Old Style" panose="02050604050505020204" pitchFamily="18" charset="0"/>
-              <a:cs typeface="Times New Roman" panose="02020603050405020304" pitchFamily="18" charset="0"/>
-            </a:endParaRPr>
           </a:p>
           <a:p>
             <a:pPr marL="285750" indent="-285750">
@@ -20826,7 +20817,7 @@
         <p:spPr>
           <a:xfrm>
             <a:off x="375346" y="0"/>
-            <a:ext cx="11816654" cy="5152180"/>
+            <a:ext cx="11816654" cy="5558445"/>
           </a:xfrm>
           <a:prstGeom prst="rect">
             <a:avLst/>
@@ -20844,17 +20835,33 @@
                 <a:spcPct val="110000"/>
               </a:lnSpc>
             </a:pPr>
-            <a:r>
-              <a:rPr lang="ru-RU" sz="2400" b="1" dirty="0">
+            <a:endParaRPr lang="ru-RU" sz="2400" b="1" dirty="0" smtClean="0">
+              <a:latin typeface="Bookman Old Style" panose="02050604050505020204" pitchFamily="18" charset="0"/>
+            </a:endParaRPr>
+          </a:p>
+          <a:p>
+            <a:pPr algn="just">
+              <a:lnSpc>
+                <a:spcPct val="110000"/>
+              </a:lnSpc>
+            </a:pPr>
+            <a:r>
+              <a:rPr lang="ru-RU" sz="2400" b="1" dirty="0" smtClean="0">
                 <a:latin typeface="Bookman Old Style" panose="02050604050505020204" pitchFamily="18" charset="0"/>
               </a:rPr>
               <a:t>Переменная</a:t>
             </a:r>
             <a:r>
+              <a:rPr lang="ru-RU" sz="2400" dirty="0" smtClean="0">
+                <a:latin typeface="Bookman Old Style" panose="02050604050505020204" pitchFamily="18" charset="0"/>
+              </a:rPr>
+              <a:t> </a:t>
+            </a:r>
+            <a:r>
               <a:rPr lang="ru-RU" sz="2400" dirty="0">
                 <a:latin typeface="Bookman Old Style" panose="02050604050505020204" pitchFamily="18" charset="0"/>
               </a:rPr>
-              <a:t> – это </a:t>
+              <a:t>– это </a:t>
             </a:r>
             <a:r>
               <a:rPr lang="ru-RU" sz="2400" b="1" dirty="0">
@@ -21902,7 +21909,7 @@
         <p:spPr>
           <a:xfrm>
             <a:off x="320767" y="0"/>
-            <a:ext cx="11652946" cy="4893647"/>
+            <a:ext cx="11652946" cy="5262979"/>
           </a:xfrm>
           <a:prstGeom prst="rect">
             <a:avLst/>
@@ -21915,8 +21922,16 @@
           </a:bodyPr>
           <a:lstStyle/>
           <a:p>
-            <a:r>
-              <a:rPr lang="ru-RU" sz="2400" b="1" dirty="0">
+            <a:endParaRPr lang="ru-RU" sz="2400" b="1" dirty="0" smtClean="0">
+              <a:solidFill>
+                <a:srgbClr val="000000"/>
+              </a:solidFill>
+              <a:latin typeface="Bookman Old Style" panose="02050604050505020204" pitchFamily="18" charset="0"/>
+            </a:endParaRPr>
+          </a:p>
+          <a:p>
+            <a:r>
+              <a:rPr lang="ru-RU" sz="2400" b="1" dirty="0" smtClean="0">
                 <a:solidFill>
                   <a:srgbClr val="000000"/>
                 </a:solidFill>
@@ -21925,13 +21940,22 @@
               <a:t>Комментарий</a:t>
             </a:r>
             <a:r>
+              <a:rPr lang="ru-RU" sz="2400" dirty="0" smtClean="0">
+                <a:solidFill>
+                  <a:srgbClr val="000000"/>
+                </a:solidFill>
+                <a:latin typeface="Bookman Old Style" panose="02050604050505020204" pitchFamily="18" charset="0"/>
+              </a:rPr>
+              <a:t> </a:t>
+            </a:r>
+            <a:r>
               <a:rPr lang="ru-RU" sz="2400" dirty="0">
                 <a:solidFill>
                   <a:srgbClr val="000000"/>
                 </a:solidFill>
                 <a:latin typeface="Bookman Old Style" panose="02050604050505020204" pitchFamily="18" charset="0"/>
               </a:rPr>
-              <a:t> – это текст, который предназначен только для читающего программу  человека и компилятором игнорируется. </a:t>
+              <a:t>– это текст, который предназначен только для читающего программу  человека и компилятором игнорируется. </a:t>
             </a:r>
             <a:endParaRPr lang="ru-RU" sz="2400" dirty="0" smtClean="0">
               <a:solidFill>
@@ -24747,9 +24771,6 @@
               </a:rPr>
               <a:t> Сдать лабораторные работы.</a:t>
             </a:r>
-            <a:endParaRPr lang="ru-RU" altLang="ru-RU" sz="3200" dirty="0" smtClean="0">
-              <a:latin typeface="Bookman Old Style" pitchFamily="18" charset="0"/>
-            </a:endParaRPr>
           </a:p>
           <a:p>
             <a:pPr marL="1073150">
@@ -24774,17 +24795,8 @@
               <a:rPr lang="ru-RU" altLang="ru-RU" sz="3200" dirty="0" smtClean="0">
                 <a:latin typeface="Bookman Old Style" pitchFamily="18" charset="0"/>
               </a:rPr>
-              <a:t>На экзамене/зачете оценка </a:t>
-            </a:r>
-            <a:r>
-              <a:rPr lang="ru-RU" altLang="ru-RU" sz="3200" dirty="0" smtClean="0">
-                <a:latin typeface="Bookman Old Style" pitchFamily="18" charset="0"/>
-              </a:rPr>
-              <a:t>зависит от полноты ответа на билет. </a:t>
-            </a:r>
-            <a:endParaRPr lang="ru-RU" altLang="ru-RU" sz="3200" dirty="0" smtClean="0">
-              <a:latin typeface="Bookman Old Style" pitchFamily="18" charset="0"/>
-            </a:endParaRPr>
+              <a:t>На экзамене/зачете оценка зависит от полноты ответа на билет. </a:t>
+            </a:r>
           </a:p>
           <a:p>
             <a:pPr marL="1073150">
@@ -24799,7 +24811,13 @@
               <a:rPr lang="ru-RU" altLang="ru-RU" sz="3200" dirty="0" smtClean="0">
                 <a:latin typeface="Bookman Old Style" pitchFamily="18" charset="0"/>
               </a:rPr>
-              <a:t>Прогулы необходимо отработать: предоставить конспект лекции, решить дополнительное практическое задание.</a:t>
+              <a:t>Прогулы необходимо отработать: предоставить конспект лекции, решить </a:t>
+            </a:r>
+            <a:r>
+              <a:rPr lang="ru-RU" altLang="ru-RU" sz="3200" dirty="0" smtClean="0">
+                <a:latin typeface="Bookman Old Style" pitchFamily="18" charset="0"/>
+              </a:rPr>
+              <a:t>дополнительные практические задания.</a:t>
             </a:r>
             <a:endParaRPr lang="ru-RU" altLang="ru-RU" sz="3200" dirty="0" smtClean="0">
               <a:latin typeface="Bookman Old Style" pitchFamily="18" charset="0"/>
@@ -34363,7 +34381,7 @@
         <p:spPr>
           <a:xfrm>
             <a:off x="1" y="0"/>
-            <a:ext cx="12192000" cy="6814173"/>
+            <a:ext cx="12192000" cy="5569666"/>
           </a:xfrm>
           <a:prstGeom prst="rect">
             <a:avLst/>
@@ -34377,7 +34395,7 @@
           <a:p>
             <a:pPr algn="just">
               <a:lnSpc>
-                <a:spcPct val="140000"/>
+                <a:spcPct val="150000"/>
               </a:lnSpc>
             </a:pPr>
             <a:r>
@@ -34393,7 +34411,7 @@
           <a:p>
             <a:pPr algn="just">
               <a:lnSpc>
-                <a:spcPct val="140000"/>
+                <a:spcPct val="150000"/>
               </a:lnSpc>
             </a:pPr>
             <a:r>
@@ -34406,7 +34424,7 @@
           <a:p>
             <a:pPr algn="just">
               <a:lnSpc>
-                <a:spcPct val="140000"/>
+                <a:spcPct val="150000"/>
               </a:lnSpc>
               <a:buFont typeface="Arial" panose="020B0604020202020204" pitchFamily="34" charset="0"/>
               <a:buChar char="•"/>
@@ -34433,7 +34451,7 @@
           <a:p>
             <a:pPr algn="just">
               <a:lnSpc>
-                <a:spcPct val="140000"/>
+                <a:spcPct val="150000"/>
               </a:lnSpc>
               <a:buFont typeface="Arial" panose="020B0604020202020204" pitchFamily="34" charset="0"/>
               <a:buChar char="•"/>
@@ -34454,37 +34472,22 @@
           <a:p>
             <a:pPr algn="just">
               <a:lnSpc>
-                <a:spcPct val="140000"/>
+                <a:spcPct val="150000"/>
               </a:lnSpc>
               <a:buFont typeface="Arial" panose="020B0604020202020204" pitchFamily="34" charset="0"/>
               <a:buChar char="•"/>
             </a:pPr>
             <a:r>
+              <a:rPr lang="ru-RU" sz="2400" b="1" dirty="0" smtClean="0">
+                <a:latin typeface="Bookman Old Style" panose="02050604050505020204" pitchFamily="18" charset="0"/>
+              </a:rPr>
+              <a:t>Совместимость </a:t>
+            </a:r>
+            <a:r>
               <a:rPr lang="ru-RU" sz="2400" b="1" dirty="0">
                 <a:latin typeface="Bookman Old Style" panose="02050604050505020204" pitchFamily="18" charset="0"/>
               </a:rPr>
-              <a:t>Объектно-ориентированный:</a:t>
-            </a:r>
-            <a:r>
-              <a:rPr lang="ru-RU" sz="2400" dirty="0">
-                <a:latin typeface="Bookman Old Style" panose="02050604050505020204" pitchFamily="18" charset="0"/>
-              </a:rPr>
-              <a:t> C# является объектно-ориентированным языком, который поддерживает наследование, полиморфизм и инкапсуляцию.</a:t>
-            </a:r>
-          </a:p>
-          <a:p>
-            <a:pPr algn="just">
-              <a:lnSpc>
-                <a:spcPct val="140000"/>
-              </a:lnSpc>
-              <a:buFont typeface="Arial" panose="020B0604020202020204" pitchFamily="34" charset="0"/>
-              <a:buChar char="•"/>
-            </a:pPr>
-            <a:r>
-              <a:rPr lang="ru-RU" sz="2400" b="1" dirty="0">
-                <a:latin typeface="Bookman Old Style" panose="02050604050505020204" pitchFamily="18" charset="0"/>
-              </a:rPr>
-              <a:t>Совместимость с .NET:</a:t>
+              <a:t>с .NET:</a:t>
             </a:r>
             <a:r>
               <a:rPr lang="ru-RU" sz="2400" dirty="0">
